--- a/Project.pptx
+++ b/Project.pptx
@@ -7,8 +7,9 @@
   <p:sldIdLst>
     <p:sldId id="257" r:id="rId2"/>
     <p:sldId id="258" r:id="rId3"/>
-    <p:sldId id="259" r:id="rId4"/>
-    <p:sldId id="260" r:id="rId5"/>
+    <p:sldId id="261" r:id="rId4"/>
+    <p:sldId id="259" r:id="rId5"/>
+    <p:sldId id="260" r:id="rId6"/>
   </p:sldIdLst>
   <p:sldSz cx="12192000" cy="6858000"/>
   <p:notesSz cx="6858000" cy="9144000"/>
@@ -107,6 +108,11 @@
       </a:defRPr>
     </a:lvl9pPr>
   </p:defaultTextStyle>
+  <p:extLst>
+    <p:ext uri="{EFAFB233-063F-42B5-8137-9DF3F51BA10A}">
+      <p15:sldGuideLst xmlns:p15="http://schemas.microsoft.com/office/powerpoint/2012/main"/>
+    </p:ext>
+  </p:extLst>
 </p:presentation>
 </file>
 
@@ -716,7 +722,7 @@
           <a:p>
             <a:fld id="{448AD985-EE20-4A9F-81C6-5F89037C4423}" type="datetimeFigureOut">
               <a:rPr lang="ru-RU" smtClean="0"/>
-              <a:t>05.12.2024</a:t>
+              <a:t>07.12.2024</a:t>
             </a:fld>
             <a:endParaRPr lang="ru-RU"/>
           </a:p>
@@ -1175,7 +1181,7 @@
           <a:p>
             <a:fld id="{448AD985-EE20-4A9F-81C6-5F89037C4423}" type="datetimeFigureOut">
               <a:rPr lang="ru-RU" smtClean="0"/>
-              <a:t>05.12.2024</a:t>
+              <a:t>07.12.2024</a:t>
             </a:fld>
             <a:endParaRPr lang="ru-RU"/>
           </a:p>
@@ -1725,7 +1731,7 @@
           <a:p>
             <a:fld id="{448AD985-EE20-4A9F-81C6-5F89037C4423}" type="datetimeFigureOut">
               <a:rPr lang="ru-RU" smtClean="0"/>
-              <a:t>05.12.2024</a:t>
+              <a:t>07.12.2024</a:t>
             </a:fld>
             <a:endParaRPr lang="ru-RU"/>
           </a:p>
@@ -2132,7 +2138,7 @@
           <a:p>
             <a:fld id="{448AD985-EE20-4A9F-81C6-5F89037C4423}" type="datetimeFigureOut">
               <a:rPr lang="ru-RU" smtClean="0"/>
-              <a:t>05.12.2024</a:t>
+              <a:t>07.12.2024</a:t>
             </a:fld>
             <a:endParaRPr lang="ru-RU"/>
           </a:p>
@@ -2565,7 +2571,7 @@
           <a:p>
             <a:fld id="{448AD985-EE20-4A9F-81C6-5F89037C4423}" type="datetimeFigureOut">
               <a:rPr lang="ru-RU" smtClean="0"/>
-              <a:t>05.12.2024</a:t>
+              <a:t>07.12.2024</a:t>
             </a:fld>
             <a:endParaRPr lang="ru-RU"/>
           </a:p>
@@ -2802,7 +2808,7 @@
           <a:p>
             <a:fld id="{448AD985-EE20-4A9F-81C6-5F89037C4423}" type="datetimeFigureOut">
               <a:rPr lang="ru-RU" smtClean="0"/>
-              <a:t>05.12.2024</a:t>
+              <a:t>07.12.2024</a:t>
             </a:fld>
             <a:endParaRPr lang="ru-RU"/>
           </a:p>
@@ -3335,7 +3341,7 @@
           <a:p>
             <a:fld id="{448AD985-EE20-4A9F-81C6-5F89037C4423}" type="datetimeFigureOut">
               <a:rPr lang="ru-RU" smtClean="0"/>
-              <a:t>05.12.2024</a:t>
+              <a:t>07.12.2024</a:t>
             </a:fld>
             <a:endParaRPr lang="ru-RU"/>
           </a:p>
@@ -3702,7 +3708,7 @@
           <a:p>
             <a:fld id="{448AD985-EE20-4A9F-81C6-5F89037C4423}" type="datetimeFigureOut">
               <a:rPr lang="ru-RU" smtClean="0"/>
-              <a:t>05.12.2024</a:t>
+              <a:t>07.12.2024</a:t>
             </a:fld>
             <a:endParaRPr lang="ru-RU"/>
           </a:p>
@@ -4356,7 +4362,7 @@
           <a:p>
             <a:fld id="{448AD985-EE20-4A9F-81C6-5F89037C4423}" type="datetimeFigureOut">
               <a:rPr lang="ru-RU" smtClean="0"/>
-              <a:t>05.12.2024</a:t>
+              <a:t>07.12.2024</a:t>
             </a:fld>
             <a:endParaRPr lang="ru-RU"/>
           </a:p>
@@ -4677,7 +4683,7 @@
           <a:p>
             <a:fld id="{448AD985-EE20-4A9F-81C6-5F89037C4423}" type="datetimeFigureOut">
               <a:rPr lang="ru-RU" smtClean="0"/>
-              <a:t>05.12.2024</a:t>
+              <a:t>07.12.2024</a:t>
             </a:fld>
             <a:endParaRPr lang="ru-RU"/>
           </a:p>
@@ -5034,7 +5040,7 @@
           <a:p>
             <a:fld id="{448AD985-EE20-4A9F-81C6-5F89037C4423}" type="datetimeFigureOut">
               <a:rPr lang="ru-RU" smtClean="0"/>
-              <a:t>05.12.2024</a:t>
+              <a:t>07.12.2024</a:t>
             </a:fld>
             <a:endParaRPr lang="ru-RU"/>
           </a:p>
@@ -5353,7 +5359,7 @@
           <a:p>
             <a:fld id="{448AD985-EE20-4A9F-81C6-5F89037C4423}" type="datetimeFigureOut">
               <a:rPr lang="ru-RU" smtClean="0"/>
-              <a:t>05.12.2024</a:t>
+              <a:t>07.12.2024</a:t>
             </a:fld>
             <a:endParaRPr lang="ru-RU"/>
           </a:p>
@@ -5630,7 +5636,7 @@
           <a:p>
             <a:fld id="{448AD985-EE20-4A9F-81C6-5F89037C4423}" type="datetimeFigureOut">
               <a:rPr lang="ru-RU" smtClean="0"/>
-              <a:t>05.12.2024</a:t>
+              <a:t>07.12.2024</a:t>
             </a:fld>
             <a:endParaRPr lang="ru-RU"/>
           </a:p>
@@ -6447,7 +6453,7 @@
           <a:p>
             <a:fld id="{448AD985-EE20-4A9F-81C6-5F89037C4423}" type="datetimeFigureOut">
               <a:rPr lang="ru-RU" smtClean="0"/>
-              <a:t>05.12.2024</a:t>
+              <a:t>07.12.2024</a:t>
             </a:fld>
             <a:endParaRPr lang="ru-RU"/>
           </a:p>
@@ -7280,19 +7286,17 @@
       </p:sp>
       <p:pic>
         <p:nvPicPr>
-          <p:cNvPr id="7" name="Рисунок 6">
-            <a:extLst>
-              <a:ext uri="{FF2B5EF4-FFF2-40B4-BE49-F238E27FC236}">
-                <a16:creationId xmlns:a16="http://schemas.microsoft.com/office/drawing/2014/main" id="{43C67C48-0780-426F-833B-5F28BFEFF2CD}"/>
+          <p:cNvPr id="4" name="Рисунок 3">
+            <a:extLst>
+              <a:ext uri="{FF2B5EF4-FFF2-40B4-BE49-F238E27FC236}">
+                <a16:creationId xmlns:a16="http://schemas.microsoft.com/office/drawing/2014/main" id="{A13DBC33-01D8-43A9-A8CF-0F7DD6A074CF}"/>
               </a:ext>
             </a:extLst>
           </p:cNvPr>
           <p:cNvPicPr>
-            <a:picLocks noGrp="1" noChangeAspect="1"/>
+            <a:picLocks noChangeAspect="1"/>
           </p:cNvPicPr>
-          <p:nvPr>
-            <p:ph type="pic" sz="quarter" idx="13"/>
-          </p:nvPr>
+          <p:nvPr/>
         </p:nvPicPr>
         <p:blipFill>
           <a:blip r:embed="rId2">
@@ -7302,16 +7306,18 @@
               </a:ext>
             </a:extLst>
           </a:blip>
-          <a:srcRect t="6347" b="6347"/>
           <a:stretch>
             <a:fillRect/>
           </a:stretch>
         </p:blipFill>
         <p:spPr>
           <a:xfrm>
-            <a:off x="4076700" y="-1"/>
-            <a:ext cx="8115300" cy="6858001"/>
-          </a:xfrm>
+            <a:off x="4038600" y="0"/>
+            <a:ext cx="7086599" cy="6858000"/>
+          </a:xfrm>
+          <a:prstGeom prst="rect">
+            <a:avLst/>
+          </a:prstGeom>
         </p:spPr>
       </p:pic>
     </p:spTree>
@@ -7349,6 +7355,315 @@
           <p:cNvPr id="2" name="Заголовок 1">
             <a:extLst>
               <a:ext uri="{FF2B5EF4-FFF2-40B4-BE49-F238E27FC236}">
+                <a16:creationId xmlns:a16="http://schemas.microsoft.com/office/drawing/2014/main" id="{A26C4798-E924-4D81-8910-9805E8759231}"/>
+              </a:ext>
+            </a:extLst>
+          </p:cNvPr>
+          <p:cNvSpPr>
+            <a:spLocks noGrp="1"/>
+          </p:cNvSpPr>
+          <p:nvPr>
+            <p:ph type="title"/>
+          </p:nvPr>
+        </p:nvSpPr>
+        <p:spPr>
+          <a:xfrm>
+            <a:off x="502768" y="-1484478"/>
+            <a:ext cx="3209008" cy="5166659"/>
+          </a:xfrm>
+        </p:spPr>
+        <p:txBody>
+          <a:bodyPr anchor="ctr"/>
+          <a:lstStyle/>
+          <a:p>
+            <a:pPr algn="ctr"/>
+            <a:r>
+              <a:rPr lang="ru-RU" dirty="0"/>
+              <a:t>Примеры</a:t>
+            </a:r>
+          </a:p>
+        </p:txBody>
+      </p:sp>
+      <p:pic>
+        <p:nvPicPr>
+          <p:cNvPr id="7" name="Рисунок 6">
+            <a:extLst>
+              <a:ext uri="{FF2B5EF4-FFF2-40B4-BE49-F238E27FC236}">
+                <a16:creationId xmlns:a16="http://schemas.microsoft.com/office/drawing/2014/main" id="{C318615A-3546-4601-9352-3F1C6D0B855B}"/>
+              </a:ext>
+            </a:extLst>
+          </p:cNvPr>
+          <p:cNvPicPr>
+            <a:picLocks noGrp="1" noChangeAspect="1"/>
+          </p:cNvPicPr>
+          <p:nvPr>
+            <p:ph type="pic" sz="quarter" idx="13"/>
+          </p:nvPr>
+        </p:nvPicPr>
+        <p:blipFill>
+          <a:blip r:embed="rId2">
+            <a:extLst>
+              <a:ext uri="{28A0092B-C50C-407E-A947-70E740481C1C}">
+                <a14:useLocalDpi xmlns:a14="http://schemas.microsoft.com/office/drawing/2010/main" val="0"/>
+              </a:ext>
+            </a:extLst>
+          </a:blip>
+          <a:srcRect t="6087" b="6087"/>
+          <a:stretch>
+            <a:fillRect/>
+          </a:stretch>
+        </p:blipFill>
+        <p:spPr/>
+      </p:pic>
+      <p:pic>
+        <p:nvPicPr>
+          <p:cNvPr id="9" name="Рисунок 8">
+            <a:extLst>
+              <a:ext uri="{FF2B5EF4-FFF2-40B4-BE49-F238E27FC236}">
+                <a16:creationId xmlns:a16="http://schemas.microsoft.com/office/drawing/2014/main" id="{621429FD-D92C-453C-9890-F4A896362BC2}"/>
+              </a:ext>
+            </a:extLst>
+          </p:cNvPr>
+          <p:cNvPicPr>
+            <a:picLocks noGrp="1" noChangeAspect="1"/>
+          </p:cNvPicPr>
+          <p:nvPr>
+            <p:ph type="pic" sz="quarter" idx="14"/>
+          </p:nvPr>
+        </p:nvPicPr>
+        <p:blipFill>
+          <a:blip r:embed="rId3">
+            <a:extLst>
+              <a:ext uri="{28A0092B-C50C-407E-A947-70E740481C1C}">
+                <a14:useLocalDpi xmlns:a14="http://schemas.microsoft.com/office/drawing/2010/main" val="0"/>
+              </a:ext>
+            </a:extLst>
+          </a:blip>
+          <a:srcRect t="6449" b="6449"/>
+          <a:stretch>
+            <a:fillRect/>
+          </a:stretch>
+        </p:blipFill>
+        <p:spPr/>
+      </p:pic>
+      <p:pic>
+        <p:nvPicPr>
+          <p:cNvPr id="10" name="Рисунок 9">
+            <a:extLst>
+              <a:ext uri="{FF2B5EF4-FFF2-40B4-BE49-F238E27FC236}">
+                <a16:creationId xmlns:a16="http://schemas.microsoft.com/office/drawing/2014/main" id="{58D912B3-77BB-4A64-95A7-A404DAC6DCBD}"/>
+              </a:ext>
+            </a:extLst>
+          </p:cNvPr>
+          <p:cNvPicPr>
+            <a:picLocks noChangeAspect="1"/>
+          </p:cNvPicPr>
+          <p:nvPr/>
+        </p:nvPicPr>
+        <p:blipFill>
+          <a:blip r:embed="rId4">
+            <a:extLst>
+              <a:ext uri="{28A0092B-C50C-407E-A947-70E740481C1C}">
+                <a14:useLocalDpi xmlns:a14="http://schemas.microsoft.com/office/drawing/2010/main" val="0"/>
+              </a:ext>
+            </a:extLst>
+          </a:blip>
+          <a:stretch>
+            <a:fillRect/>
+          </a:stretch>
+        </p:blipFill>
+        <p:spPr>
+          <a:xfrm>
+            <a:off x="4076699" y="3396650"/>
+            <a:ext cx="4038600" cy="3461350"/>
+          </a:xfrm>
+          <a:prstGeom prst="rect">
+            <a:avLst/>
+          </a:prstGeom>
+        </p:spPr>
+      </p:pic>
+      <p:pic>
+        <p:nvPicPr>
+          <p:cNvPr id="11" name="Рисунок 10">
+            <a:extLst>
+              <a:ext uri="{FF2B5EF4-FFF2-40B4-BE49-F238E27FC236}">
+                <a16:creationId xmlns:a16="http://schemas.microsoft.com/office/drawing/2014/main" id="{CDE342C4-94FD-4606-9D46-C4C01445F837}"/>
+              </a:ext>
+            </a:extLst>
+          </p:cNvPr>
+          <p:cNvPicPr>
+            <a:picLocks noChangeAspect="1"/>
+          </p:cNvPicPr>
+          <p:nvPr/>
+        </p:nvPicPr>
+        <p:blipFill>
+          <a:blip r:embed="rId5">
+            <a:extLst>
+              <a:ext uri="{28A0092B-C50C-407E-A947-70E740481C1C}">
+                <a14:useLocalDpi xmlns:a14="http://schemas.microsoft.com/office/drawing/2010/main" val="0"/>
+              </a:ext>
+            </a:extLst>
+          </a:blip>
+          <a:stretch>
+            <a:fillRect/>
+          </a:stretch>
+        </p:blipFill>
+        <p:spPr>
+          <a:xfrm>
+            <a:off x="8115298" y="3360270"/>
+            <a:ext cx="4076701" cy="3461349"/>
+          </a:xfrm>
+          <a:prstGeom prst="rect">
+            <a:avLst/>
+          </a:prstGeom>
+        </p:spPr>
+      </p:pic>
+      <p:sp>
+        <p:nvSpPr>
+          <p:cNvPr id="12" name="TextBox 11">
+            <a:extLst>
+              <a:ext uri="{FF2B5EF4-FFF2-40B4-BE49-F238E27FC236}">
+                <a16:creationId xmlns:a16="http://schemas.microsoft.com/office/drawing/2014/main" id="{31DEE4AC-E0B1-4916-A4B2-2E8CFB61A688}"/>
+              </a:ext>
+            </a:extLst>
+          </p:cNvPr>
+          <p:cNvSpPr txBox="1"/>
+          <p:nvPr/>
+        </p:nvSpPr>
+        <p:spPr>
+          <a:xfrm>
+            <a:off x="68922" y="1825735"/>
+            <a:ext cx="4076700" cy="3785652"/>
+          </a:xfrm>
+          <a:prstGeom prst="rect">
+            <a:avLst/>
+          </a:prstGeom>
+          <a:noFill/>
+        </p:spPr>
+        <p:txBody>
+          <a:bodyPr wrap="square" rtlCol="0">
+            <a:spAutoFit/>
+          </a:bodyPr>
+          <a:lstStyle/>
+          <a:p>
+            <a:r>
+              <a:rPr lang="ru-RU" sz="3000" dirty="0">
+                <a:solidFill>
+                  <a:schemeClr val="bg1"/>
+                </a:solidFill>
+              </a:rPr>
+              <a:t>Формат </a:t>
+            </a:r>
+            <a:r>
+              <a:rPr lang="en-US" sz="3000" dirty="0">
+                <a:solidFill>
+                  <a:schemeClr val="bg1"/>
+                </a:solidFill>
+              </a:rPr>
+              <a:t>{</a:t>
+            </a:r>
+            <a:r>
+              <a:rPr lang="ru-RU" sz="3000" dirty="0">
+                <a:solidFill>
+                  <a:schemeClr val="bg1"/>
+                </a:solidFill>
+              </a:rPr>
+              <a:t>2</a:t>
+            </a:r>
+            <a:r>
+              <a:rPr lang="en-US" sz="3000" dirty="0">
+                <a:solidFill>
+                  <a:schemeClr val="bg1"/>
+                </a:solidFill>
+              </a:rPr>
+              <a:t>: </a:t>
+            </a:r>
+            <a:r>
+              <a:rPr lang="ru-RU" sz="3000" dirty="0">
+                <a:solidFill>
+                  <a:schemeClr val="bg1"/>
+                </a:solidFill>
+              </a:rPr>
+              <a:t>1.00085</a:t>
+            </a:r>
+            <a:r>
+              <a:rPr lang="en-US" sz="3000" dirty="0">
+                <a:solidFill>
+                  <a:schemeClr val="bg1"/>
+                </a:solidFill>
+              </a:rPr>
+              <a:t>}</a:t>
+            </a:r>
+            <a:endParaRPr lang="ru-RU" sz="3000" dirty="0">
+              <a:solidFill>
+                <a:schemeClr val="bg1"/>
+              </a:solidFill>
+            </a:endParaRPr>
+          </a:p>
+          <a:p>
+            <a:r>
+              <a:rPr lang="ru-RU" sz="3000" dirty="0">
+                <a:solidFill>
+                  <a:schemeClr val="bg1"/>
+                </a:solidFill>
+              </a:rPr>
+              <a:t>показывает оценку нейросети на то совпадает ли число с изображением</a:t>
+            </a:r>
+          </a:p>
+          <a:p>
+            <a:endParaRPr lang="ru-RU" sz="3000" dirty="0">
+              <a:solidFill>
+                <a:schemeClr val="bg1"/>
+              </a:solidFill>
+            </a:endParaRPr>
+          </a:p>
+          <a:p>
+            <a:r>
+              <a:rPr lang="ru-RU" sz="3000" dirty="0">
+                <a:solidFill>
+                  <a:schemeClr val="bg1"/>
+                </a:solidFill>
+              </a:rPr>
+              <a:t>Самая большая оценка – и является ответом</a:t>
+            </a:r>
+          </a:p>
+        </p:txBody>
+      </p:sp>
+    </p:spTree>
+    <p:extLst>
+      <p:ext uri="{BB962C8B-B14F-4D97-AF65-F5344CB8AC3E}">
+        <p14:creationId xmlns:p14="http://schemas.microsoft.com/office/powerpoint/2010/main" val="2504441928"/>
+      </p:ext>
+    </p:extLst>
+  </p:cSld>
+  <p:clrMapOvr>
+    <a:masterClrMapping/>
+  </p:clrMapOvr>
+</p:sld>
+</file>
+
+<file path=ppt/slides/slide4.xml><?xml version="1.0" encoding="utf-8"?>
+<p:sld xmlns:a="http://schemas.openxmlformats.org/drawingml/2006/main" xmlns:r="http://schemas.openxmlformats.org/officeDocument/2006/relationships" xmlns:p="http://schemas.openxmlformats.org/presentationml/2006/main">
+  <p:cSld>
+    <p:spTree>
+      <p:nvGrpSpPr>
+        <p:cNvPr id="1" name=""/>
+        <p:cNvGrpSpPr/>
+        <p:nvPr/>
+      </p:nvGrpSpPr>
+      <p:grpSpPr>
+        <a:xfrm>
+          <a:off x="0" y="0"/>
+          <a:ext cx="0" cy="0"/>
+          <a:chOff x="0" y="0"/>
+          <a:chExt cx="0" cy="0"/>
+        </a:xfrm>
+      </p:grpSpPr>
+      <p:sp>
+        <p:nvSpPr>
+          <p:cNvPr id="2" name="Заголовок 1">
+            <a:extLst>
+              <a:ext uri="{FF2B5EF4-FFF2-40B4-BE49-F238E27FC236}">
                 <a16:creationId xmlns:a16="http://schemas.microsoft.com/office/drawing/2014/main" id="{7FDF977C-77A0-4A20-A74E-D561C042F7F6}"/>
               </a:ext>
             </a:extLst>
@@ -7499,7 +7814,7 @@
 </p:sld>
 </file>
 
-<file path=ppt/slides/slide4.xml><?xml version="1.0" encoding="utf-8"?>
+<file path=ppt/slides/slide5.xml><?xml version="1.0" encoding="utf-8"?>
 <p:sld xmlns:a="http://schemas.openxmlformats.org/drawingml/2006/main" xmlns:r="http://schemas.openxmlformats.org/officeDocument/2006/relationships" xmlns:p="http://schemas.openxmlformats.org/presentationml/2006/main">
   <p:cSld>
     <p:spTree>
